--- a/5.knn/k Nearest Neighbor.pptx
+++ b/5.knn/k Nearest Neighbor.pptx
@@ -1284,6 +1284,30 @@
       </pc:sldChg>
     </pc:docChg>
   </pc:docChgLst>
+  <pc:docChgLst>
+    <pc:chgData name="Kirill Cherpakov" userId="d3ecfb898a1419d2" providerId="LiveId" clId="{50698387-074E-4636-9BC7-8D7B0D5EFE9C}"/>
+    <pc:docChg chg="modSld">
+      <pc:chgData name="Kirill Cherpakov" userId="d3ecfb898a1419d2" providerId="LiveId" clId="{50698387-074E-4636-9BC7-8D7B0D5EFE9C}" dt="2024-03-01T09:46:03.165" v="21" actId="20577"/>
+      <pc:docMkLst>
+        <pc:docMk/>
+      </pc:docMkLst>
+      <pc:sldChg chg="modSp mod">
+        <pc:chgData name="Kirill Cherpakov" userId="d3ecfb898a1419d2" providerId="LiveId" clId="{50698387-074E-4636-9BC7-8D7B0D5EFE9C}" dt="2024-03-01T09:46:03.165" v="21" actId="20577"/>
+        <pc:sldMkLst>
+          <pc:docMk/>
+          <pc:sldMk cId="979622006" sldId="280"/>
+        </pc:sldMkLst>
+        <pc:spChg chg="mod">
+          <ac:chgData name="Kirill Cherpakov" userId="d3ecfb898a1419d2" providerId="LiveId" clId="{50698387-074E-4636-9BC7-8D7B0D5EFE9C}" dt="2024-03-01T09:46:03.165" v="21" actId="20577"/>
+          <ac:spMkLst>
+            <pc:docMk/>
+            <pc:sldMk cId="979622006" sldId="280"/>
+            <ac:spMk id="3" creationId="{1E0B8C4B-3A3C-9FD1-59FB-1666C1F09376}"/>
+          </ac:spMkLst>
+        </pc:spChg>
+      </pc:sldChg>
+    </pc:docChg>
+  </pc:docChgLst>
 </pc:chgInfo>
 </file>
 
@@ -1381,7 +1405,7 @@
           <a:p>
             <a:fld id="{4B8AA0D6-3DB1-4639-9734-75B3ACB9066C}" type="datetime1">
               <a:rPr lang="ru-RU" smtClean="0"/>
-              <a:t>29.02.2024</a:t>
+              <a:t>01.03.2024</a:t>
             </a:fld>
             <a:endParaRPr lang="ru-RU"/>
           </a:p>
@@ -30684,7 +30708,37 @@
                 <a:effectLst/>
                 <a:latin typeface="Söhne"/>
               </a:rPr>
-              <a:t> это простой и популярный метод обучения без учителя в машинном обучении, который используется как для классификации.</a:t>
+              <a:t> это простой и популярный метод обучения без учителя в машинном обучении, который используется как для классификации</a:t>
+            </a:r>
+            <a:r>
+              <a:rPr lang="en-US" sz="2400" b="0" i="0" dirty="0">
+                <a:solidFill>
+                  <a:srgbClr val="0D0D0D"/>
+                </a:solidFill>
+                <a:effectLst/>
+                <a:latin typeface="Söhne"/>
+              </a:rPr>
+              <a:t> </a:t>
+            </a:r>
+            <a:r>
+              <a:rPr lang="ru-RU" sz="2400" b="0" i="0" dirty="0">
+                <a:solidFill>
+                  <a:srgbClr val="0D0D0D"/>
+                </a:solidFill>
+                <a:effectLst/>
+                <a:latin typeface="Söhne"/>
+              </a:rPr>
+              <a:t>так </a:t>
+            </a:r>
+            <a:r>
+              <a:rPr lang="ru-RU" sz="2400" b="0" i="0">
+                <a:solidFill>
+                  <a:srgbClr val="0D0D0D"/>
+                </a:solidFill>
+                <a:effectLst/>
+                <a:latin typeface="Söhne"/>
+              </a:rPr>
+              <a:t>и регрессии.</a:t>
             </a:r>
             <a:endParaRPr lang="ru-RU" sz="2400" dirty="0">
               <a:solidFill>
@@ -32045,8 +32099,8 @@
           </a:extLst>
         </p:spPr>
       </p:pic>
-      <mc:AlternateContent xmlns:mc="http://schemas.openxmlformats.org/markup-compatibility/2006">
-        <mc:Choice xmlns:p14="http://schemas.microsoft.com/office/powerpoint/2010/main" xmlns:aink="http://schemas.microsoft.com/office/drawing/2016/ink" Requires="p14 aink">
+      <mc:AlternateContent xmlns:mc="http://schemas.openxmlformats.org/markup-compatibility/2006" xmlns:p14="http://schemas.microsoft.com/office/powerpoint/2010/main" xmlns:aink="http://schemas.microsoft.com/office/drawing/2016/ink">
+        <mc:Choice Requires="p14 aink">
           <p:contentPart p14:bwMode="auto" r:id="rId9">
             <p14:nvContentPartPr>
               <p14:cNvPr id="17" name="Рукописный ввод 16">
@@ -32065,7 +32119,7 @@
             </p14:xfrm>
           </p:contentPart>
         </mc:Choice>
-        <mc:Fallback>
+        <mc:Fallback xmlns="">
           <p:pic>
             <p:nvPicPr>
               <p:cNvPr id="17" name="Рукописный ввод 16">
